--- a/spring 설치 관련 자료/3. 전자정부프레임워크 설정.pptx
+++ b/spring 설치 관련 자료/3. 전자정부프레임워크 설정.pptx
@@ -288,7 +288,7 @@
           <a:p>
             <a:fld id="{8E447AEB-3597-4F91-B7F2-7755FF207E16}" type="datetimeFigureOut">
               <a:rPr lang="ko-KR" altLang="en-US" smtClean="0"/>
-              <a:t>2024-08-09</a:t>
+              <a:t>2024-08-14</a:t>
             </a:fld>
             <a:endParaRPr lang="ko-KR" altLang="en-US"/>
           </a:p>
@@ -486,7 +486,7 @@
           <a:p>
             <a:fld id="{8E447AEB-3597-4F91-B7F2-7755FF207E16}" type="datetimeFigureOut">
               <a:rPr lang="ko-KR" altLang="en-US" smtClean="0"/>
-              <a:t>2024-08-09</a:t>
+              <a:t>2024-08-14</a:t>
             </a:fld>
             <a:endParaRPr lang="ko-KR" altLang="en-US"/>
           </a:p>
@@ -694,7 +694,7 @@
           <a:p>
             <a:fld id="{8E447AEB-3597-4F91-B7F2-7755FF207E16}" type="datetimeFigureOut">
               <a:rPr lang="ko-KR" altLang="en-US" smtClean="0"/>
-              <a:t>2024-08-09</a:t>
+              <a:t>2024-08-14</a:t>
             </a:fld>
             <a:endParaRPr lang="ko-KR" altLang="en-US"/>
           </a:p>
@@ -807,7 +807,7 @@
           <a:p>
             <a:fld id="{8E447AEB-3597-4F91-B7F2-7755FF207E16}" type="datetimeFigureOut">
               <a:rPr lang="ko-KR" altLang="en-US" smtClean="0"/>
-              <a:t>2024-08-09</a:t>
+              <a:t>2024-08-14</a:t>
             </a:fld>
             <a:endParaRPr lang="ko-KR" altLang="en-US" dirty="0"/>
           </a:p>
@@ -1123,7 +1123,7 @@
           <a:p>
             <a:fld id="{8E447AEB-3597-4F91-B7F2-7755FF207E16}" type="datetimeFigureOut">
               <a:rPr lang="ko-KR" altLang="en-US" smtClean="0"/>
-              <a:t>2024-08-09</a:t>
+              <a:t>2024-08-14</a:t>
             </a:fld>
             <a:endParaRPr lang="ko-KR" altLang="en-US"/>
           </a:p>
@@ -1388,7 +1388,7 @@
           <a:p>
             <a:fld id="{8E447AEB-3597-4F91-B7F2-7755FF207E16}" type="datetimeFigureOut">
               <a:rPr lang="ko-KR" altLang="en-US" smtClean="0"/>
-              <a:t>2024-08-09</a:t>
+              <a:t>2024-08-14</a:t>
             </a:fld>
             <a:endParaRPr lang="ko-KR" altLang="en-US"/>
           </a:p>
@@ -1800,7 +1800,7 @@
           <a:p>
             <a:fld id="{8E447AEB-3597-4F91-B7F2-7755FF207E16}" type="datetimeFigureOut">
               <a:rPr lang="ko-KR" altLang="en-US" smtClean="0"/>
-              <a:t>2024-08-09</a:t>
+              <a:t>2024-08-14</a:t>
             </a:fld>
             <a:endParaRPr lang="ko-KR" altLang="en-US"/>
           </a:p>
@@ -1941,7 +1941,7 @@
           <a:p>
             <a:fld id="{8E447AEB-3597-4F91-B7F2-7755FF207E16}" type="datetimeFigureOut">
               <a:rPr lang="ko-KR" altLang="en-US" smtClean="0"/>
-              <a:t>2024-08-09</a:t>
+              <a:t>2024-08-14</a:t>
             </a:fld>
             <a:endParaRPr lang="ko-KR" altLang="en-US"/>
           </a:p>
@@ -2054,7 +2054,7 @@
           <a:p>
             <a:fld id="{8E447AEB-3597-4F91-B7F2-7755FF207E16}" type="datetimeFigureOut">
               <a:rPr lang="ko-KR" altLang="en-US" smtClean="0"/>
-              <a:t>2024-08-09</a:t>
+              <a:t>2024-08-14</a:t>
             </a:fld>
             <a:endParaRPr lang="ko-KR" altLang="en-US"/>
           </a:p>
@@ -2365,7 +2365,7 @@
           <a:p>
             <a:fld id="{8E447AEB-3597-4F91-B7F2-7755FF207E16}" type="datetimeFigureOut">
               <a:rPr lang="ko-KR" altLang="en-US" smtClean="0"/>
-              <a:t>2024-08-09</a:t>
+              <a:t>2024-08-14</a:t>
             </a:fld>
             <a:endParaRPr lang="ko-KR" altLang="en-US"/>
           </a:p>
@@ -2653,7 +2653,7 @@
           <a:p>
             <a:fld id="{8E447AEB-3597-4F91-B7F2-7755FF207E16}" type="datetimeFigureOut">
               <a:rPr lang="ko-KR" altLang="en-US" smtClean="0"/>
-              <a:t>2024-08-09</a:t>
+              <a:t>2024-08-14</a:t>
             </a:fld>
             <a:endParaRPr lang="ko-KR" altLang="en-US"/>
           </a:p>
@@ -2894,7 +2894,7 @@
           <a:p>
             <a:fld id="{8E447AEB-3597-4F91-B7F2-7755FF207E16}" type="datetimeFigureOut">
               <a:rPr lang="ko-KR" altLang="en-US" smtClean="0"/>
-              <a:t>2024-08-09</a:t>
+              <a:t>2024-08-14</a:t>
             </a:fld>
             <a:endParaRPr lang="ko-KR" altLang="en-US"/>
           </a:p>
@@ -3842,6 +3842,13 @@
   <p:clrMapOvr>
     <a:masterClrMapping/>
   </p:clrMapOvr>
+  <p:timing>
+    <p:tnLst>
+      <p:par>
+        <p:cTn id="1" dur="indefinite" restart="never" nodeType="tmRoot"/>
+      </p:par>
+    </p:tnLst>
+  </p:timing>
 </p:sld>
 </file>
 
@@ -4015,6 +4022,13 @@
   <p:clrMapOvr>
     <a:masterClrMapping/>
   </p:clrMapOvr>
+  <p:timing>
+    <p:tnLst>
+      <p:par>
+        <p:cTn id="1" dur="indefinite" restart="never" nodeType="tmRoot"/>
+      </p:par>
+    </p:tnLst>
+  </p:timing>
 </p:sld>
 </file>
 
@@ -4492,6 +4506,13 @@
   <p:clrMapOvr>
     <a:masterClrMapping/>
   </p:clrMapOvr>
+  <p:timing>
+    <p:tnLst>
+      <p:par>
+        <p:cTn id="1" dur="indefinite" restart="never" nodeType="tmRoot"/>
+      </p:par>
+    </p:tnLst>
+  </p:timing>
 </p:sld>
 </file>
 
@@ -4817,6 +4838,13 @@
   <p:clrMapOvr>
     <a:masterClrMapping/>
   </p:clrMapOvr>
+  <p:timing>
+    <p:tnLst>
+      <p:par>
+        <p:cTn id="1" dur="indefinite" restart="never" nodeType="tmRoot"/>
+      </p:par>
+    </p:tnLst>
+  </p:timing>
 </p:sld>
 </file>
 
@@ -5069,6 +5097,13 @@
   <p:clrMapOvr>
     <a:masterClrMapping/>
   </p:clrMapOvr>
+  <p:timing>
+    <p:tnLst>
+      <p:par>
+        <p:cTn id="1" dur="indefinite" restart="never" nodeType="tmRoot"/>
+      </p:par>
+    </p:tnLst>
+  </p:timing>
 </p:sld>
 </file>
 
@@ -5454,6 +5489,13 @@
   <p:clrMapOvr>
     <a:masterClrMapping/>
   </p:clrMapOvr>
+  <p:timing>
+    <p:tnLst>
+      <p:par>
+        <p:cTn id="1" dur="indefinite" restart="never" nodeType="tmRoot"/>
+      </p:par>
+    </p:tnLst>
+  </p:timing>
 </p:sld>
 </file>
 
@@ -5682,6 +5724,13 @@
   <p:clrMapOvr>
     <a:masterClrMapping/>
   </p:clrMapOvr>
+  <p:timing>
+    <p:tnLst>
+      <p:par>
+        <p:cTn id="1" dur="indefinite" restart="never" nodeType="tmRoot"/>
+      </p:par>
+    </p:tnLst>
+  </p:timing>
 </p:sld>
 </file>
 
@@ -6012,6 +6061,13 @@
   <p:clrMapOvr>
     <a:masterClrMapping/>
   </p:clrMapOvr>
+  <p:timing>
+    <p:tnLst>
+      <p:par>
+        <p:cTn id="1" dur="indefinite" restart="never" nodeType="tmRoot"/>
+      </p:par>
+    </p:tnLst>
+  </p:timing>
 </p:sld>
 </file>
 
@@ -6162,6 +6218,52 @@
           </a:p>
         </p:txBody>
       </p:sp>
+      <p:sp>
+        <p:nvSpPr>
+          <p:cNvPr id="2" name="직사각형 1"/>
+          <p:cNvSpPr/>
+          <p:nvPr/>
+        </p:nvSpPr>
+        <p:spPr>
+          <a:xfrm>
+            <a:off x="1573823" y="3974123"/>
+            <a:ext cx="6796454" cy="1134208"/>
+          </a:xfrm>
+          <a:prstGeom prst="rect">
+            <a:avLst/>
+          </a:prstGeom>
+          <a:noFill/>
+          <a:ln w="28575">
+            <a:solidFill>
+              <a:srgbClr val="FF0000"/>
+            </a:solidFill>
+          </a:ln>
+        </p:spPr>
+        <p:style>
+          <a:lnRef idx="2">
+            <a:schemeClr val="accent1">
+              <a:shade val="50000"/>
+            </a:schemeClr>
+          </a:lnRef>
+          <a:fillRef idx="1">
+            <a:schemeClr val="accent1"/>
+          </a:fillRef>
+          <a:effectRef idx="0">
+            <a:schemeClr val="accent1"/>
+          </a:effectRef>
+          <a:fontRef idx="minor">
+            <a:schemeClr val="lt1"/>
+          </a:fontRef>
+        </p:style>
+        <p:txBody>
+          <a:bodyPr rtlCol="0" anchor="ctr"/>
+          <a:lstStyle/>
+          <a:p>
+            <a:pPr algn="ctr"/>
+            <a:endParaRPr lang="ko-KR" altLang="en-US"/>
+          </a:p>
+        </p:txBody>
+      </p:sp>
     </p:spTree>
     <p:extLst>
       <p:ext uri="{BB962C8B-B14F-4D97-AF65-F5344CB8AC3E}">
@@ -6172,6 +6274,13 @@
   <p:clrMapOvr>
     <a:masterClrMapping/>
   </p:clrMapOvr>
+  <p:timing>
+    <p:tnLst>
+      <p:par>
+        <p:cTn id="1" dur="indefinite" restart="never" nodeType="tmRoot"/>
+      </p:par>
+    </p:tnLst>
+  </p:timing>
 </p:sld>
 </file>
 
@@ -7340,6 +7449,13 @@
   <p:clrMapOvr>
     <a:masterClrMapping/>
   </p:clrMapOvr>
+  <p:timing>
+    <p:tnLst>
+      <p:par>
+        <p:cTn id="1" dur="indefinite" restart="never" nodeType="tmRoot"/>
+      </p:par>
+    </p:tnLst>
+  </p:timing>
 </p:sld>
 </file>
 
@@ -7594,6 +7710,159 @@
               <a:rPr lang="ko-KR" altLang="en-US" b="1" dirty="0"/>
               <a:t>프로젝트 설정</a:t>
             </a:r>
+          </a:p>
+        </p:txBody>
+      </p:sp>
+      <p:pic>
+        <p:nvPicPr>
+          <p:cNvPr id="3" name="그림 2"/>
+          <p:cNvPicPr>
+            <a:picLocks noChangeAspect="1"/>
+          </p:cNvPicPr>
+          <p:nvPr/>
+        </p:nvPicPr>
+        <p:blipFill rotWithShape="1">
+          <a:blip r:embed="rId4"/>
+          <a:srcRect t="7570"/>
+          <a:stretch/>
+        </p:blipFill>
+        <p:spPr>
+          <a:xfrm>
+            <a:off x="6732914" y="4810809"/>
+            <a:ext cx="4342701" cy="968420"/>
+          </a:xfrm>
+          <a:prstGeom prst="rect">
+            <a:avLst/>
+          </a:prstGeom>
+        </p:spPr>
+      </p:pic>
+      <p:sp>
+        <p:nvSpPr>
+          <p:cNvPr id="5" name="TextBox 4"/>
+          <p:cNvSpPr txBox="1"/>
+          <p:nvPr/>
+        </p:nvSpPr>
+        <p:spPr>
+          <a:xfrm>
+            <a:off x="8795364" y="4810809"/>
+            <a:ext cx="1107996" cy="369332"/>
+          </a:xfrm>
+          <a:prstGeom prst="rect">
+            <a:avLst/>
+          </a:prstGeom>
+          <a:noFill/>
+        </p:spPr>
+        <p:txBody>
+          <a:bodyPr wrap="none" rtlCol="0">
+            <a:spAutoFit/>
+          </a:bodyPr>
+          <a:lstStyle/>
+          <a:p>
+            <a:r>
+              <a:rPr lang="ko-KR" altLang="en-US" dirty="0" smtClean="0">
+                <a:solidFill>
+                  <a:srgbClr val="FF0000"/>
+                </a:solidFill>
+              </a:rPr>
+              <a:t>주석처리</a:t>
+            </a:r>
+            <a:endParaRPr lang="ko-KR" altLang="en-US" dirty="0">
+              <a:solidFill>
+                <a:srgbClr val="FF0000"/>
+              </a:solidFill>
+            </a:endParaRPr>
+          </a:p>
+        </p:txBody>
+      </p:sp>
+      <p:sp>
+        <p:nvSpPr>
+          <p:cNvPr id="6" name="직사각형 5"/>
+          <p:cNvSpPr/>
+          <p:nvPr/>
+        </p:nvSpPr>
+        <p:spPr>
+          <a:xfrm>
+            <a:off x="6732914" y="2848708"/>
+            <a:ext cx="4530032" cy="1749297"/>
+          </a:xfrm>
+          <a:prstGeom prst="rect">
+            <a:avLst/>
+          </a:prstGeom>
+          <a:noFill/>
+          <a:ln w="28575">
+            <a:solidFill>
+              <a:srgbClr val="FF0000"/>
+            </a:solidFill>
+          </a:ln>
+        </p:spPr>
+        <p:style>
+          <a:lnRef idx="2">
+            <a:schemeClr val="accent1">
+              <a:shade val="50000"/>
+            </a:schemeClr>
+          </a:lnRef>
+          <a:fillRef idx="1">
+            <a:schemeClr val="accent1"/>
+          </a:fillRef>
+          <a:effectRef idx="0">
+            <a:schemeClr val="accent1"/>
+          </a:effectRef>
+          <a:fontRef idx="minor">
+            <a:schemeClr val="lt1"/>
+          </a:fontRef>
+        </p:style>
+        <p:txBody>
+          <a:bodyPr rtlCol="0" anchor="ctr"/>
+          <a:lstStyle/>
+          <a:p>
+            <a:pPr algn="ctr"/>
+            <a:endParaRPr lang="ko-KR" altLang="en-US"/>
+          </a:p>
+        </p:txBody>
+      </p:sp>
+      <p:sp>
+        <p:nvSpPr>
+          <p:cNvPr id="14" name="직사각형 13"/>
+          <p:cNvSpPr/>
+          <p:nvPr/>
+        </p:nvSpPr>
+        <p:spPr>
+          <a:xfrm>
+            <a:off x="6732914" y="4661142"/>
+            <a:ext cx="4530032" cy="1194535"/>
+          </a:xfrm>
+          <a:prstGeom prst="rect">
+            <a:avLst/>
+          </a:prstGeom>
+          <a:noFill/>
+          <a:ln w="28575">
+            <a:solidFill>
+              <a:srgbClr val="FF0000"/>
+            </a:solidFill>
+          </a:ln>
+        </p:spPr>
+        <p:style>
+          <a:lnRef idx="2">
+            <a:schemeClr val="accent1">
+              <a:shade val="50000"/>
+            </a:schemeClr>
+          </a:lnRef>
+          <a:fillRef idx="1">
+            <a:schemeClr val="accent1"/>
+          </a:fillRef>
+          <a:effectRef idx="0">
+            <a:schemeClr val="accent1"/>
+          </a:effectRef>
+          <a:fontRef idx="minor">
+            <a:schemeClr val="lt1"/>
+          </a:fontRef>
+        </p:style>
+        <p:txBody>
+          <a:bodyPr rtlCol="0" anchor="ctr"/>
+          <a:lstStyle/>
+          <a:p>
+            <a:pPr algn="ctr"/>
+            <a:endParaRPr lang="ko-KR" altLang="en-US"/>
           </a:p>
         </p:txBody>
       </p:sp>
@@ -7801,6 +8070,187 @@
           </a:p>
         </p:txBody>
       </p:sp>
+      <p:sp>
+        <p:nvSpPr>
+          <p:cNvPr id="3" name="TextBox 2"/>
+          <p:cNvSpPr txBox="1"/>
+          <p:nvPr/>
+        </p:nvSpPr>
+        <p:spPr>
+          <a:xfrm>
+            <a:off x="4552729" y="2434179"/>
+            <a:ext cx="5885586" cy="584775"/>
+          </a:xfrm>
+          <a:prstGeom prst="rect">
+            <a:avLst/>
+          </a:prstGeom>
+          <a:noFill/>
+        </p:spPr>
+        <p:txBody>
+          <a:bodyPr wrap="none" rtlCol="0">
+            <a:spAutoFit/>
+          </a:bodyPr>
+          <a:lstStyle/>
+          <a:p>
+            <a:r>
+              <a:rPr lang="en-US" altLang="ko-KR" sz="1600" dirty="0" err="1">
+                <a:solidFill>
+                  <a:srgbClr val="FF0000"/>
+                </a:solidFill>
+              </a:rPr>
+              <a:t>Egovframework.com.main</a:t>
+            </a:r>
+            <a:r>
+              <a:rPr lang="en-US" altLang="ko-KR" sz="1600" dirty="0">
+                <a:solidFill>
+                  <a:srgbClr val="FF0000"/>
+                </a:solidFill>
+              </a:rPr>
+              <a:t> </a:t>
+            </a:r>
+            <a:r>
+              <a:rPr lang="ko-KR" altLang="en-US" sz="1600" dirty="0" smtClean="0">
+                <a:solidFill>
+                  <a:srgbClr val="FF0000"/>
+                </a:solidFill>
+              </a:rPr>
+              <a:t>을 </a:t>
+            </a:r>
+            <a:r>
+              <a:rPr lang="en-US" altLang="ko-KR" sz="1600" dirty="0" err="1" smtClean="0">
+                <a:solidFill>
+                  <a:srgbClr val="FF0000"/>
+                </a:solidFill>
+              </a:rPr>
+              <a:t>Egovframework.com.main</a:t>
+            </a:r>
+            <a:r>
+              <a:rPr lang="en-US" altLang="ko-KR" sz="1600" dirty="0" smtClean="0">
+                <a:solidFill>
+                  <a:srgbClr val="FF0000"/>
+                </a:solidFill>
+              </a:rPr>
+              <a:t> </a:t>
+            </a:r>
+            <a:r>
+              <a:rPr lang="ko-KR" altLang="en-US" sz="1600" dirty="0" smtClean="0">
+                <a:solidFill>
+                  <a:srgbClr val="FF0000"/>
+                </a:solidFill>
+              </a:rPr>
+              <a:t>으로 </a:t>
+            </a:r>
+            <a:endParaRPr lang="en-US" altLang="ko-KR" sz="1600" dirty="0" smtClean="0">
+              <a:solidFill>
+                <a:srgbClr val="FF0000"/>
+              </a:solidFill>
+            </a:endParaRPr>
+          </a:p>
+          <a:p>
+            <a:r>
+              <a:rPr lang="ko-KR" altLang="en-US" sz="1600" dirty="0" smtClean="0">
+                <a:solidFill>
+                  <a:srgbClr val="FF0000"/>
+                </a:solidFill>
+              </a:rPr>
+              <a:t>패키지 수정</a:t>
+            </a:r>
+            <a:r>
+              <a:rPr lang="en-US" altLang="ko-KR" sz="1600" dirty="0">
+                <a:solidFill>
+                  <a:srgbClr val="FF0000"/>
+                </a:solidFill>
+              </a:rPr>
+              <a:t> </a:t>
+            </a:r>
+            <a:r>
+              <a:rPr lang="ko-KR" altLang="en-US" sz="1600" dirty="0" smtClean="0">
+                <a:solidFill>
+                  <a:srgbClr val="FF0000"/>
+                </a:solidFill>
+              </a:rPr>
+              <a:t>하면 </a:t>
+            </a:r>
+            <a:r>
+              <a:rPr lang="en-US" altLang="ko-KR" sz="1600" dirty="0" err="1" smtClean="0">
+                <a:solidFill>
+                  <a:srgbClr val="FF0000"/>
+                </a:solidFill>
+              </a:rPr>
+              <a:t>cmmn</a:t>
+            </a:r>
+            <a:r>
+              <a:rPr lang="ko-KR" altLang="en-US" sz="1600" dirty="0" smtClean="0">
+                <a:solidFill>
+                  <a:srgbClr val="FF0000"/>
+                </a:solidFill>
+              </a:rPr>
+              <a:t>과 </a:t>
+            </a:r>
+            <a:r>
+              <a:rPr lang="en-US" altLang="ko-KR" sz="1600" dirty="0" smtClean="0">
+                <a:solidFill>
+                  <a:srgbClr val="FF0000"/>
+                </a:solidFill>
+              </a:rPr>
+              <a:t>main</a:t>
+            </a:r>
+            <a:r>
+              <a:rPr lang="ko-KR" altLang="en-US" sz="1600" dirty="0" smtClean="0">
+                <a:solidFill>
+                  <a:srgbClr val="FF0000"/>
+                </a:solidFill>
+              </a:rPr>
+              <a:t>으로 폴더 나뉨</a:t>
+            </a:r>
+            <a:endParaRPr lang="ko-KR" altLang="en-US" sz="1600" dirty="0">
+              <a:solidFill>
+                <a:srgbClr val="FF0000"/>
+              </a:solidFill>
+            </a:endParaRPr>
+          </a:p>
+        </p:txBody>
+      </p:sp>
+      <p:sp>
+        <p:nvSpPr>
+          <p:cNvPr id="7" name="오른쪽 화살표 6"/>
+          <p:cNvSpPr/>
+          <p:nvPr/>
+        </p:nvSpPr>
+        <p:spPr>
+          <a:xfrm>
+            <a:off x="4070838" y="2896230"/>
+            <a:ext cx="290147" cy="169277"/>
+          </a:xfrm>
+          <a:prstGeom prst="rightArrow">
+            <a:avLst/>
+          </a:prstGeom>
+        </p:spPr>
+        <p:style>
+          <a:lnRef idx="2">
+            <a:schemeClr val="accent1">
+              <a:shade val="50000"/>
+            </a:schemeClr>
+          </a:lnRef>
+          <a:fillRef idx="1">
+            <a:schemeClr val="accent1"/>
+          </a:fillRef>
+          <a:effectRef idx="0">
+            <a:schemeClr val="accent1"/>
+          </a:effectRef>
+          <a:fontRef idx="minor">
+            <a:schemeClr val="lt1"/>
+          </a:fontRef>
+        </p:style>
+        <p:txBody>
+          <a:bodyPr rtlCol="0" anchor="ctr"/>
+          <a:lstStyle/>
+          <a:p>
+            <a:pPr algn="ctr"/>
+            <a:endParaRPr lang="ko-KR" altLang="en-US"/>
+          </a:p>
+        </p:txBody>
+      </p:sp>
     </p:spTree>
     <p:extLst>
       <p:ext uri="{BB962C8B-B14F-4D97-AF65-F5344CB8AC3E}">
@@ -8706,6 +9156,58 @@
           </a:p>
         </p:txBody>
       </p:sp>
+      <p:sp>
+        <p:nvSpPr>
+          <p:cNvPr id="6" name="직사각형 5">
+            <a:extLst>
+              <a:ext uri="{FF2B5EF4-FFF2-40B4-BE49-F238E27FC236}">
+                <a16:creationId xmlns:a16="http://schemas.microsoft.com/office/drawing/2014/main" id="{4B0D1CD7-0D83-37A3-BA56-BB74010CABCE}"/>
+              </a:ext>
+            </a:extLst>
+          </p:cNvPr>
+          <p:cNvSpPr/>
+          <p:nvPr/>
+        </p:nvSpPr>
+        <p:spPr>
+          <a:xfrm>
+            <a:off x="6185780" y="3544692"/>
+            <a:ext cx="2779414" cy="1910281"/>
+          </a:xfrm>
+          <a:prstGeom prst="rect">
+            <a:avLst/>
+          </a:prstGeom>
+          <a:noFill/>
+          <a:ln w="28575">
+            <a:solidFill>
+              <a:srgbClr val="FF0000"/>
+            </a:solidFill>
+          </a:ln>
+        </p:spPr>
+        <p:style>
+          <a:lnRef idx="2">
+            <a:schemeClr val="accent1">
+              <a:shade val="15000"/>
+            </a:schemeClr>
+          </a:lnRef>
+          <a:fillRef idx="1">
+            <a:schemeClr val="accent1"/>
+          </a:fillRef>
+          <a:effectRef idx="0">
+            <a:schemeClr val="accent1"/>
+          </a:effectRef>
+          <a:fontRef idx="minor">
+            <a:schemeClr val="lt1"/>
+          </a:fontRef>
+        </p:style>
+        <p:txBody>
+          <a:bodyPr rtlCol="0" anchor="ctr"/>
+          <a:lstStyle/>
+          <a:p>
+            <a:pPr algn="ctr"/>
+            <a:endParaRPr lang="ko-KR" altLang="en-US"/>
+          </a:p>
+        </p:txBody>
+      </p:sp>
     </p:spTree>
     <p:extLst>
       <p:ext uri="{BB962C8B-B14F-4D97-AF65-F5344CB8AC3E}">
@@ -9459,6 +9961,58 @@
               <a:rPr lang="ko-KR" altLang="en-US" b="1" dirty="0"/>
               <a:t> 연결</a:t>
             </a:r>
+          </a:p>
+        </p:txBody>
+      </p:sp>
+      <p:sp>
+        <p:nvSpPr>
+          <p:cNvPr id="9" name="직사각형 8">
+            <a:extLst>
+              <a:ext uri="{FF2B5EF4-FFF2-40B4-BE49-F238E27FC236}">
+                <a16:creationId xmlns:a16="http://schemas.microsoft.com/office/drawing/2014/main" id="{86B0EF25-D319-345E-238F-D1316A399E74}"/>
+              </a:ext>
+            </a:extLst>
+          </p:cNvPr>
+          <p:cNvSpPr/>
+          <p:nvPr/>
+        </p:nvSpPr>
+        <p:spPr>
+          <a:xfrm>
+            <a:off x="7706908" y="3920208"/>
+            <a:ext cx="3652754" cy="1575497"/>
+          </a:xfrm>
+          <a:prstGeom prst="rect">
+            <a:avLst/>
+          </a:prstGeom>
+          <a:noFill/>
+          <a:ln w="19050">
+            <a:solidFill>
+              <a:srgbClr val="FF0000"/>
+            </a:solidFill>
+          </a:ln>
+        </p:spPr>
+        <p:style>
+          <a:lnRef idx="2">
+            <a:schemeClr val="accent1">
+              <a:shade val="15000"/>
+            </a:schemeClr>
+          </a:lnRef>
+          <a:fillRef idx="1">
+            <a:schemeClr val="accent1"/>
+          </a:fillRef>
+          <a:effectRef idx="0">
+            <a:schemeClr val="accent1"/>
+          </a:effectRef>
+          <a:fontRef idx="minor">
+            <a:schemeClr val="lt1"/>
+          </a:fontRef>
+        </p:style>
+        <p:txBody>
+          <a:bodyPr rtlCol="0" anchor="ctr"/>
+          <a:lstStyle/>
+          <a:p>
+            <a:pPr algn="ctr"/>
+            <a:endParaRPr lang="ko-KR" altLang="en-US"/>
           </a:p>
         </p:txBody>
       </p:sp>
@@ -11038,6 +11592,13 @@
   <p:clrMapOvr>
     <a:masterClrMapping/>
   </p:clrMapOvr>
+  <p:timing>
+    <p:tnLst>
+      <p:par>
+        <p:cTn id="1" dur="indefinite" restart="never" nodeType="tmRoot"/>
+      </p:par>
+    </p:tnLst>
+  </p:timing>
 </p:sld>
 </file>
 
@@ -11467,6 +12028,13 @@
   <p:clrMapOvr>
     <a:masterClrMapping/>
   </p:clrMapOvr>
+  <p:timing>
+    <p:tnLst>
+      <p:par>
+        <p:cTn id="1" dur="indefinite" restart="never" nodeType="tmRoot"/>
+      </p:par>
+    </p:tnLst>
+  </p:timing>
 </p:sld>
 </file>
 
@@ -11858,6 +12426,13 @@
   <p:clrMapOvr>
     <a:masterClrMapping/>
   </p:clrMapOvr>
+  <p:timing>
+    <p:tnLst>
+      <p:par>
+        <p:cTn id="1" dur="indefinite" restart="never" nodeType="tmRoot"/>
+      </p:par>
+    </p:tnLst>
+  </p:timing>
 </p:sld>
 </file>
 
@@ -12075,6 +12650,13 @@
   <p:clrMapOvr>
     <a:masterClrMapping/>
   </p:clrMapOvr>
+  <p:timing>
+    <p:tnLst>
+      <p:par>
+        <p:cTn id="1" dur="indefinite" restart="never" nodeType="tmRoot"/>
+      </p:par>
+    </p:tnLst>
+  </p:timing>
 </p:sld>
 </file>
 
@@ -12382,6 +12964,13 @@
   <p:clrMapOvr>
     <a:masterClrMapping/>
   </p:clrMapOvr>
+  <p:timing>
+    <p:tnLst>
+      <p:par>
+        <p:cTn id="1" dur="indefinite" restart="never" nodeType="tmRoot"/>
+      </p:par>
+    </p:tnLst>
+  </p:timing>
 </p:sld>
 </file>
 
@@ -12667,6 +13256,13 @@
   <p:clrMapOvr>
     <a:masterClrMapping/>
   </p:clrMapOvr>
+  <p:timing>
+    <p:tnLst>
+      <p:par>
+        <p:cTn id="1" dur="indefinite" restart="never" nodeType="tmRoot"/>
+      </p:par>
+    </p:tnLst>
+  </p:timing>
 </p:sld>
 </file>
 
@@ -12986,6 +13582,13 @@
   <p:clrMapOvr>
     <a:masterClrMapping/>
   </p:clrMapOvr>
+  <p:timing>
+    <p:tnLst>
+      <p:par>
+        <p:cTn id="1" dur="indefinite" restart="never" nodeType="tmRoot"/>
+      </p:par>
+    </p:tnLst>
+  </p:timing>
 </p:sld>
 </file>
 
